--- a/Project/Документация УП/Презентация.pptx
+++ b/Project/Документация УП/Презентация.pptx
@@ -217,7 +217,7 @@
           <a:p>
             <a:fld id="{5A0F3999-7D9C-44A3-AE3A-9E5399638BE5}" type="datetimeFigureOut">
               <a:rPr lang="ru-RU" smtClean="0"/>
-              <a:t>17.05.2025</a:t>
+              <a:t>20.05.2025</a:t>
             </a:fld>
             <a:endParaRPr lang="ru-RU"/>
           </a:p>
@@ -655,7 +655,7 @@
           <a:p>
             <a:fld id="{5B51ED2B-A1F3-4DF0-BE4F-A006F318A493}" type="datetime1">
               <a:rPr lang="ru-RU" smtClean="0"/>
-              <a:t>17.05.2025</a:t>
+              <a:t>20.05.2025</a:t>
             </a:fld>
             <a:endParaRPr lang="ru-RU"/>
           </a:p>
@@ -1276,7 +1276,7 @@
           <a:p>
             <a:fld id="{A366291D-2257-4736-A516-007F400EB34F}" type="datetime1">
               <a:rPr lang="ru-RU" smtClean="0"/>
-              <a:t>17.05.2025</a:t>
+              <a:t>20.05.2025</a:t>
             </a:fld>
             <a:endParaRPr lang="ru-RU"/>
           </a:p>
@@ -1452,7 +1452,7 @@
           <a:p>
             <a:fld id="{463DE11E-2CF3-493A-87BA-C17F26B49576}" type="datetime1">
               <a:rPr lang="ru-RU" smtClean="0"/>
-              <a:t>17.05.2025</a:t>
+              <a:t>20.05.2025</a:t>
             </a:fld>
             <a:endParaRPr lang="ru-RU"/>
           </a:p>
@@ -1623,7 +1623,7 @@
           <a:p>
             <a:fld id="{3C10C265-EE23-44D0-A879-BCB55BAB3E5D}" type="datetime1">
               <a:rPr lang="ru-RU" smtClean="0"/>
-              <a:t>17.05.2025</a:t>
+              <a:t>20.05.2025</a:t>
             </a:fld>
             <a:endParaRPr lang="ru-RU"/>
           </a:p>
@@ -1870,7 +1870,7 @@
           <a:p>
             <a:fld id="{0CF08871-D3FC-4EA3-A40F-8689CB16DB01}" type="datetime1">
               <a:rPr lang="ru-RU" smtClean="0"/>
-              <a:t>17.05.2025</a:t>
+              <a:t>20.05.2025</a:t>
             </a:fld>
             <a:endParaRPr lang="ru-RU"/>
           </a:p>
@@ -2135,7 +2135,7 @@
           <a:p>
             <a:fld id="{6D52C0C2-EA68-4702-91E2-7D242EE98BDD}" type="datetime1">
               <a:rPr lang="ru-RU" smtClean="0"/>
-              <a:t>17.05.2025</a:t>
+              <a:t>20.05.2025</a:t>
             </a:fld>
             <a:endParaRPr lang="ru-RU"/>
           </a:p>
@@ -2514,7 +2514,7 @@
           <a:p>
             <a:fld id="{149B0C1B-170E-479A-A09D-84E5813A464F}" type="datetime1">
               <a:rPr lang="ru-RU" smtClean="0"/>
-              <a:t>17.05.2025</a:t>
+              <a:t>20.05.2025</a:t>
             </a:fld>
             <a:endParaRPr lang="ru-RU"/>
           </a:p>
@@ -2665,7 +2665,7 @@
           <a:p>
             <a:fld id="{9C9686A2-2319-4439-B76E-DD8B17EC0C61}" type="datetime1">
               <a:rPr lang="ru-RU" smtClean="0"/>
-              <a:t>17.05.2025</a:t>
+              <a:t>20.05.2025</a:t>
             </a:fld>
             <a:endParaRPr lang="ru-RU"/>
           </a:p>
@@ -2756,7 +2756,7 @@
           <a:p>
             <a:fld id="{12FC97AB-9BB7-4830-A5B4-FBB6B6F32FB5}" type="datetime1">
               <a:rPr lang="ru-RU" smtClean="0"/>
-              <a:t>17.05.2025</a:t>
+              <a:t>20.05.2025</a:t>
             </a:fld>
             <a:endParaRPr lang="ru-RU"/>
           </a:p>
@@ -3018,7 +3018,7 @@
           <a:p>
             <a:fld id="{FEC68877-EE32-43FC-95DF-717EBA66F39F}" type="datetime1">
               <a:rPr lang="ru-RU" smtClean="0"/>
-              <a:t>17.05.2025</a:t>
+              <a:t>20.05.2025</a:t>
             </a:fld>
             <a:endParaRPr lang="ru-RU"/>
           </a:p>
@@ -3307,7 +3307,7 @@
           <a:p>
             <a:fld id="{A4FFC780-55F2-4473-9A86-29260F73CE73}" type="datetime1">
               <a:rPr lang="ru-RU" smtClean="0"/>
-              <a:t>17.05.2025</a:t>
+              <a:t>20.05.2025</a:t>
             </a:fld>
             <a:endParaRPr lang="ru-RU"/>
           </a:p>
@@ -4047,7 +4047,7 @@
             <a:fld id="{BC60F000-F600-4D2F-93D0-F268C2AF8667}" type="datetime1">
               <a:rPr lang="ru-RU" smtClean="0"/>
               <a:pPr/>
-              <a:t>17.05.2025</a:t>
+              <a:t>20.05.2025</a:t>
             </a:fld>
             <a:endParaRPr lang="ru-RU" dirty="0"/>
           </a:p>
@@ -6093,7 +6093,6 @@
               <a:rPr lang="ru-RU" dirty="0"/>
               <a:t>Обоснование выбора ПО</a:t>
             </a:r>
-            <a:endParaRPr lang="ru-RU" dirty="0"/>
           </a:p>
         </p:txBody>
       </p:sp>
@@ -7802,12 +7801,6 @@
 </file>
 
 <file path=customXml/item2.xml><?xml version="1.0" encoding="utf-8"?>
-<p:properties xmlns:p="http://schemas.microsoft.com/office/2006/metadata/properties" xmlns:xsi="http://www.w3.org/2001/XMLSchema-instance" xmlns:pc="http://schemas.microsoft.com/office/infopath/2007/PartnerControls">
-  <documentManagement/>
-</p:properties>
-</file>
-
-<file path=customXml/item3.xml><?xml version="1.0" encoding="utf-8"?>
 <ct:contentTypeSchema xmlns:ct="http://schemas.microsoft.com/office/2006/metadata/contentType" xmlns:ma="http://schemas.microsoft.com/office/2006/metadata/properties/metaAttributes" ct:_="" ma:_="" ma:contentTypeName="Документ" ma:contentTypeID="0x0101007B9772845550DD49967CFA5577B663C0" ma:contentTypeVersion="7" ma:contentTypeDescription="Создание документа." ma:contentTypeScope="" ma:versionID="0d1ed5a8117e95a410f84fd4464d58c2">
   <xsd:schema xmlns:xsd="http://www.w3.org/2001/XMLSchema" xmlns:xs="http://www.w3.org/2001/XMLSchema" xmlns:p="http://schemas.microsoft.com/office/2006/metadata/properties" xmlns:ns2="1561d24a-7644-409a-9d28-57a3e92615a3" targetNamespace="http://schemas.microsoft.com/office/2006/metadata/properties" ma:root="true" ma:fieldsID="2f5ea1bffd978b8eb9aa2d3c66f950bf" ns2:_="">
     <xsd:import namespace="1561d24a-7644-409a-9d28-57a3e92615a3"/>
@@ -7971,6 +7964,12 @@
 </ct:contentTypeSchema>
 </file>
 
+<file path=customXml/item3.xml><?xml version="1.0" encoding="utf-8"?>
+<p:properties xmlns:p="http://schemas.microsoft.com/office/2006/metadata/properties" xmlns:xsi="http://www.w3.org/2001/XMLSchema-instance" xmlns:pc="http://schemas.microsoft.com/office/infopath/2007/PartnerControls">
+  <documentManagement/>
+</p:properties>
+</file>
+
 <file path=customXml/itemProps1.xml><?xml version="1.0" encoding="utf-8"?>
 <ds:datastoreItem xmlns:ds="http://schemas.openxmlformats.org/officeDocument/2006/customXml" ds:itemID="{B4D25A64-9E17-4505-9CEF-1532F17BF30F}">
   <ds:schemaRefs>
@@ -7980,22 +7979,6 @@
 </file>
 
 <file path=customXml/itemProps2.xml><?xml version="1.0" encoding="utf-8"?>
-<ds:datastoreItem xmlns:ds="http://schemas.openxmlformats.org/officeDocument/2006/customXml" ds:itemID="{3DCA9683-D0CB-489A-8CFC-1B44EC6F9B2A}">
-  <ds:schemaRefs>
-    <ds:schemaRef ds:uri="http://schemas.microsoft.com/office/2006/documentManagement/types"/>
-    <ds:schemaRef ds:uri="http://schemas.microsoft.com/office/infopath/2007/PartnerControls"/>
-    <ds:schemaRef ds:uri="http://purl.org/dc/dcmitype/"/>
-    <ds:schemaRef ds:uri="1561d24a-7644-409a-9d28-57a3e92615a3"/>
-    <ds:schemaRef ds:uri="http://www.w3.org/XML/1998/namespace"/>
-    <ds:schemaRef ds:uri="http://purl.org/dc/elements/1.1/"/>
-    <ds:schemaRef ds:uri="http://schemas.openxmlformats.org/package/2006/metadata/core-properties"/>
-    <ds:schemaRef ds:uri="http://schemas.microsoft.com/office/2006/metadata/properties"/>
-    <ds:schemaRef ds:uri="http://purl.org/dc/terms/"/>
-  </ds:schemaRefs>
-</ds:datastoreItem>
-</file>
-
-<file path=customXml/itemProps3.xml><?xml version="1.0" encoding="utf-8"?>
 <ds:datastoreItem xmlns:ds="http://schemas.openxmlformats.org/officeDocument/2006/customXml" ds:itemID="{D584EC76-10E4-4CE8-83A5-4B1415CA98C6}">
   <ds:schemaRefs>
     <ds:schemaRef ds:uri="http://schemas.microsoft.com/office/2006/metadata/contentType"/>
@@ -8011,4 +7994,20 @@
     <ds:schemaRef ds:uri="http://schemas.microsoft.com/internal/obd"/>
   </ds:schemaRefs>
 </ds:datastoreItem>
+</file>
+
+<file path=customXml/itemProps3.xml><?xml version="1.0" encoding="utf-8"?>
+<ds:datastoreItem xmlns:ds="http://schemas.openxmlformats.org/officeDocument/2006/customXml" ds:itemID="{3DCA9683-D0CB-489A-8CFC-1B44EC6F9B2A}">
+  <ds:schemaRefs>
+    <ds:schemaRef ds:uri="http://schemas.microsoft.com/office/2006/documentManagement/types"/>
+    <ds:schemaRef ds:uri="http://schemas.microsoft.com/office/infopath/2007/PartnerControls"/>
+    <ds:schemaRef ds:uri="http://purl.org/dc/dcmitype/"/>
+    <ds:schemaRef ds:uri="1561d24a-7644-409a-9d28-57a3e92615a3"/>
+    <ds:schemaRef ds:uri="http://www.w3.org/XML/1998/namespace"/>
+    <ds:schemaRef ds:uri="http://purl.org/dc/elements/1.1/"/>
+    <ds:schemaRef ds:uri="http://schemas.openxmlformats.org/package/2006/metadata/core-properties"/>
+    <ds:schemaRef ds:uri="http://schemas.microsoft.com/office/2006/metadata/properties"/>
+    <ds:schemaRef ds:uri="http://purl.org/dc/terms/"/>
+  </ds:schemaRefs>
+</ds:datastoreItem>
 </file>